--- a/Untitled presentation.pptx
+++ b/Untitled presentation.pptx
@@ -8704,7 +8704,7 @@
                 <a:cs typeface="Merriweather"/>
                 <a:sym typeface="Merriweather"/>
               </a:rPr>
-              <a:t>~ Shamit Gandhi</a:t>
+              <a:t>~ Bhavya Bhanvadiya</a:t>
             </a:r>
             <a:endParaRPr b="1" sz="1500">
               <a:solidFill>
@@ -8768,7 +8768,7 @@
                 <a:cs typeface="Merriweather"/>
                 <a:sym typeface="Merriweather"/>
               </a:rPr>
-              <a:t>~ Tirth Gandhi</a:t>
+              <a:t>~ Shamit Gandhi</a:t>
             </a:r>
             <a:endParaRPr b="1" sz="1500">
               <a:solidFill>
@@ -8800,7 +8800,30 @@
                 <a:cs typeface="Merriweather"/>
                 <a:sym typeface="Merriweather"/>
               </a:rPr>
-              <a:t>~ Bhavya Bhanvadiya</a:t>
+              <a:t>~ Tirth Boghani</a:t>
+            </a:r>
+            <a:endParaRPr b="1" sz="1500">
+              <a:solidFill>
+                <a:schemeClr val="accent1"/>
+              </a:solidFill>
+              <a:latin typeface="Merriweather"/>
+              <a:ea typeface="Merriweather"/>
+              <a:cs typeface="Merriweather"/>
+              <a:sym typeface="Merriweather"/>
+            </a:endParaRPr>
+          </a:p>
+          <a:p>
+            <a:pPr indent="0" lvl="0" marL="0" rtl="0" algn="l">
+              <a:spcBef>
+                <a:spcPts val="0"/>
+              </a:spcBef>
+              <a:spcAft>
+                <a:spcPts val="0"/>
+              </a:spcAft>
+              <a:buNone/>
+            </a:pPr>
+            <a:r>
+              <a:t/>
             </a:r>
             <a:endParaRPr b="1" sz="1500">
               <a:solidFill>
@@ -9775,7 +9798,31 @@
                 <a:cs typeface="Comic Sans MS"/>
                 <a:sym typeface="Comic Sans MS"/>
               </a:rPr>
-              <a:t>As we had to iterate through days, timeslots, semesters and courses of each semester sequentially, the time complexity and space complexity will be O(t * d * n * m), as O(t * d * n * m) is greater then space complexity of all three above mentioned space complexity, where t is the number of time slots, n is the number of semesters, d is the number of days, and m is the maximum number of courses per semester.</a:t>
+              <a:t>As we had to iterate through days, timeslots, semesters and courses of each semester sequentially, the time complexity and space complexity will be O(t * d * n * m), as O(t * d * n * m) is greater </a:t>
+            </a:r>
+            <a:r>
+              <a:rPr lang="en">
+                <a:solidFill>
+                  <a:schemeClr val="dk2"/>
+                </a:solidFill>
+                <a:latin typeface="Comic Sans MS"/>
+                <a:ea typeface="Comic Sans MS"/>
+                <a:cs typeface="Comic Sans MS"/>
+                <a:sym typeface="Comic Sans MS"/>
+              </a:rPr>
+              <a:t>than</a:t>
+            </a:r>
+            <a:r>
+              <a:rPr lang="en">
+                <a:solidFill>
+                  <a:schemeClr val="dk2"/>
+                </a:solidFill>
+                <a:latin typeface="Comic Sans MS"/>
+                <a:ea typeface="Comic Sans MS"/>
+                <a:cs typeface="Comic Sans MS"/>
+                <a:sym typeface="Comic Sans MS"/>
+              </a:rPr>
+              <a:t> space complexity of all three above mentioned space complexity, where t is the number of time slots, n is the number of semesters, d is the number of days, and m is the maximum number of courses per semester.</a:t>
             </a:r>
             <a:endParaRPr>
               <a:solidFill>
@@ -13707,7 +13754,25 @@
                 <a:cs typeface="Comic Sans MS"/>
                 <a:sym typeface="Comic Sans MS"/>
               </a:rPr>
-              <a:t>We add the slots in the index [22*i + semester][j] where j stands for a particular day, while the first expression is a unique index within the timetable vector for each combination of time slot (i), semester (semester), and day, ensuring that each course assignment is stored at the correct position in the timetable grid.</a:t>
+              <a:t>We add the slots in the index [22*</a:t>
+            </a:r>
+            <a:r>
+              <a:rPr lang="en" sz="1500">
+                <a:latin typeface="Comic Sans MS"/>
+                <a:ea typeface="Comic Sans MS"/>
+                <a:cs typeface="Comic Sans MS"/>
+                <a:sym typeface="Comic Sans MS"/>
+              </a:rPr>
+              <a:t>i</a:t>
+            </a:r>
+            <a:r>
+              <a:rPr lang="en" sz="1500">
+                <a:latin typeface="Comic Sans MS"/>
+                <a:ea typeface="Comic Sans MS"/>
+                <a:cs typeface="Comic Sans MS"/>
+                <a:sym typeface="Comic Sans MS"/>
+              </a:rPr>
+              <a:t> + semester][j] where j stands for a particular day, while the first expression is a unique index within the timetable vector for each combination of time slot (i), semester (semester), and day, ensuring that each course assignment is stored at the correct position in the timetable grid.</a:t>
             </a:r>
             <a:endParaRPr sz="1500">
               <a:latin typeface="Comic Sans MS"/>
@@ -16389,7 +16454,42 @@
                 <a:cs typeface="Comic Sans MS"/>
                 <a:sym typeface="Comic Sans MS"/>
               </a:rPr>
-              <a:t> 2-D vector was the most complicated data structure in our input so the time complexity and space complexity will depend upon it: Time Complexity: As we enter all elements in the vector sequentially by iterating through it, the time complexity will be O(n*m) where n is number of semesters and m is maximum number of courses in a semester. </a:t>
+              <a:t> 3-D vector was the most complicated data structure in our input so the time complexity and space complexity will depend upon it.</a:t>
+            </a:r>
+            <a:endParaRPr sz="1500">
+              <a:solidFill>
+                <a:schemeClr val="dk2"/>
+              </a:solidFill>
+              <a:latin typeface="Comic Sans MS"/>
+              <a:ea typeface="Comic Sans MS"/>
+              <a:cs typeface="Comic Sans MS"/>
+              <a:sym typeface="Comic Sans MS"/>
+            </a:endParaRPr>
+          </a:p>
+          <a:p>
+            <a:pPr indent="0" lvl="0" marL="0" rtl="0" algn="l">
+              <a:lnSpc>
+                <a:spcPct val="115000"/>
+              </a:lnSpc>
+              <a:spcBef>
+                <a:spcPts val="0"/>
+              </a:spcBef>
+              <a:spcAft>
+                <a:spcPts val="0"/>
+              </a:spcAft>
+              <a:buNone/>
+            </a:pPr>
+            <a:r>
+              <a:rPr lang="en" sz="1500">
+                <a:solidFill>
+                  <a:schemeClr val="dk2"/>
+                </a:solidFill>
+                <a:latin typeface="Comic Sans MS"/>
+                <a:ea typeface="Comic Sans MS"/>
+                <a:cs typeface="Comic Sans MS"/>
+                <a:sym typeface="Comic Sans MS"/>
+              </a:rPr>
+              <a:t>Time Complexity: As we enter all elements in the vector sequentially by iterating through it, the time complexity will be O(n*m) where n is number of semesters and m is maximum number of courses in a semester. </a:t>
             </a:r>
             <a:endParaRPr sz="1200">
               <a:solidFill>
